--- a/pptx/第13章 综合评价方法.pptx
+++ b/pptx/第13章 综合评价方法.pptx
@@ -16376,8 +16376,8 @@
         </p:nvSpPr>
         <p:spPr>
           <a:xfrm>
-            <a:off x="2711450" y="2637155"/>
-            <a:ext cx="6824345" cy="808990"/>
+            <a:off x="2326640" y="2637155"/>
+            <a:ext cx="7920990" cy="768350"/>
           </a:xfrm>
           <a:prstGeom prst="rect">
             <a:avLst/>
@@ -16551,7 +16551,40 @@
                 <a:ea typeface="微软雅黑" panose="020B0503020204020204" pitchFamily="2" charset="-122"/>
                 <a:sym typeface="微软雅黑" panose="020B0503020204020204" pitchFamily="2" charset="-122"/>
               </a:rPr>
-              <a:t>建模 </a:t>
+              <a:t>建模（</a:t>
+            </a:r>
+            <a:r>
+              <a:rPr lang="en-US" altLang="zh-CN" sz="4400" b="1" dirty="0">
+                <a:solidFill>
+                  <a:srgbClr val="1115C3"/>
+                </a:solidFill>
+                <a:latin typeface="微软雅黑" panose="020B0503020204020204" pitchFamily="2" charset="-122"/>
+                <a:ea typeface="微软雅黑" panose="020B0503020204020204" pitchFamily="2" charset="-122"/>
+                <a:sym typeface="微软雅黑" panose="020B0503020204020204" pitchFamily="2" charset="-122"/>
+              </a:rPr>
+              <a:t>5</a:t>
+            </a:r>
+            <a:r>
+              <a:rPr lang="zh-CN" altLang="en-US" sz="4400" b="1" dirty="0">
+                <a:solidFill>
+                  <a:srgbClr val="1115C3"/>
+                </a:solidFill>
+                <a:latin typeface="微软雅黑" panose="020B0503020204020204" pitchFamily="2" charset="-122"/>
+                <a:ea typeface="微软雅黑" panose="020B0503020204020204" pitchFamily="2" charset="-122"/>
+                <a:sym typeface="微软雅黑" panose="020B0503020204020204" pitchFamily="2" charset="-122"/>
+              </a:rPr>
+              <a:t>）</a:t>
+            </a:r>
+            <a:r>
+              <a:rPr lang="zh-CN" altLang="en-US" sz="4400" b="1" dirty="0">
+                <a:solidFill>
+                  <a:srgbClr val="1115C3"/>
+                </a:solidFill>
+                <a:latin typeface="微软雅黑" panose="020B0503020204020204" pitchFamily="2" charset="-122"/>
+                <a:ea typeface="微软雅黑" panose="020B0503020204020204" pitchFamily="2" charset="-122"/>
+                <a:sym typeface="微软雅黑" panose="020B0503020204020204" pitchFamily="2" charset="-122"/>
+              </a:rPr>
+              <a:t> </a:t>
             </a:r>
             <a:endParaRPr lang="zh-CN" altLang="en-US" sz="4400" b="1" dirty="0">
               <a:solidFill>
@@ -16600,8 +16633,8 @@
         </p:nvSpPr>
         <p:spPr>
           <a:xfrm>
-            <a:off x="3289856" y="4094454"/>
-            <a:ext cx="5681345" cy="613410"/>
+            <a:off x="3190796" y="4143349"/>
+            <a:ext cx="6367145" cy="645160"/>
           </a:xfrm>
           <a:prstGeom prst="rect">
             <a:avLst/>
@@ -16615,7 +16648,7 @@
           <a:p>
             <a:pPr algn="l"/>
             <a:r>
-              <a:rPr lang="zh-CN" altLang="en-US" sz="3200" b="1" dirty="0">
+              <a:rPr lang="zh-CN" altLang="en-US" sz="3600" b="1" dirty="0">
                 <a:solidFill>
                   <a:srgbClr val="3399FF"/>
                 </a:solidFill>
@@ -16626,7 +16659,7 @@
               <a:t>第</a:t>
             </a:r>
             <a:r>
-              <a:rPr lang="en-US" altLang="zh-CN" sz="3200" b="1" dirty="0">
+              <a:rPr lang="en-US" altLang="zh-CN" sz="3600" b="1" dirty="0">
                 <a:solidFill>
                   <a:srgbClr val="3399FF"/>
                 </a:solidFill>
@@ -16637,7 +16670,7 @@
               <a:t>13</a:t>
             </a:r>
             <a:r>
-              <a:rPr lang="zh-CN" altLang="en-US" sz="3200" b="1" dirty="0">
+              <a:rPr lang="zh-CN" altLang="en-US" sz="3600" b="1" dirty="0">
                 <a:solidFill>
                   <a:srgbClr val="3399FF"/>
                 </a:solidFill>
@@ -16648,7 +16681,7 @@
               <a:t>章  综合评价方法及</a:t>
             </a:r>
             <a:r>
-              <a:rPr lang="en-US" altLang="zh-CN" sz="3200" b="1" dirty="0">
+              <a:rPr lang="en-US" altLang="zh-CN" sz="3600" b="1" dirty="0">
                 <a:solidFill>
                   <a:srgbClr val="3399FF"/>
                 </a:solidFill>
@@ -16659,7 +16692,7 @@
               <a:t>R</a:t>
             </a:r>
             <a:r>
-              <a:rPr lang="zh-CN" altLang="en-US" sz="3200" b="1" dirty="0">
+              <a:rPr lang="zh-CN" altLang="en-US" sz="3600" b="1" dirty="0">
                 <a:solidFill>
                   <a:srgbClr val="3399FF"/>
                 </a:solidFill>
@@ -16669,7 +16702,7 @@
               </a:rPr>
               <a:t>使用</a:t>
             </a:r>
-            <a:endParaRPr lang="zh-CN" altLang="en-US" sz="3200" b="1" dirty="0">
+            <a:endParaRPr lang="zh-CN" altLang="en-US" sz="3600" b="1" dirty="0">
               <a:solidFill>
                 <a:srgbClr val="3399FF"/>
               </a:solidFill>
@@ -16689,7 +16722,7 @@
         <p:spPr>
           <a:xfrm>
             <a:off x="5087930" y="5453642"/>
-            <a:ext cx="2337435" cy="579120"/>
+            <a:ext cx="2337435" cy="583565"/>
           </a:xfrm>
           <a:prstGeom prst="rect">
             <a:avLst/>
@@ -26549,6 +26582,106 @@
           </a:p>
         </p:txBody>
       </p:sp>
+      <p:sp>
+        <p:nvSpPr>
+          <p:cNvPr id="13" name="文本框 12"/>
+          <p:cNvSpPr txBox="1"/>
+          <p:nvPr/>
+        </p:nvSpPr>
+        <p:spPr>
+          <a:xfrm>
+            <a:off x="2987040" y="63500"/>
+            <a:ext cx="9028430" cy="460375"/>
+          </a:xfrm>
+          <a:prstGeom prst="rect">
+            <a:avLst/>
+          </a:prstGeom>
+          <a:noFill/>
+        </p:spPr>
+        <p:txBody>
+          <a:bodyPr wrap="square" rtlCol="0" anchor="t">
+            <a:spAutoFit/>
+          </a:bodyPr>
+          <a:p>
+            <a:r>
+              <a:rPr lang="en-US" altLang="zh-CN" sz="2400" b="1">
+                <a:solidFill>
+                  <a:srgbClr val="FF0000"/>
+                </a:solidFill>
+              </a:rPr>
+              <a:t>d13.1</a:t>
+            </a:r>
+            <a:r>
+              <a:rPr lang="zh-CN" altLang="en-US" sz="2400" b="1">
+                <a:solidFill>
+                  <a:srgbClr val="FF0000"/>
+                </a:solidFill>
+              </a:rPr>
+              <a:t>=read.xlsx('mvstats5.xlsx','</a:t>
+            </a:r>
+            <a:r>
+              <a:rPr lang="en-US" altLang="zh-CN" sz="2400" b="1">
+                <a:solidFill>
+                  <a:srgbClr val="FF0000"/>
+                </a:solidFill>
+              </a:rPr>
+              <a:t>d13</a:t>
+            </a:r>
+            <a:r>
+              <a:rPr lang="zh-CN" altLang="en-US" sz="2400" b="1">
+                <a:solidFill>
+                  <a:srgbClr val="FF0000"/>
+                </a:solidFill>
+              </a:rPr>
+              <a:t>.1');  # </a:t>
+            </a:r>
+            <a:r>
+              <a:rPr lang="en-US" altLang="zh-CN" sz="2400" b="1">
+                <a:solidFill>
+                  <a:srgbClr val="FF0000"/>
+                </a:solidFill>
+              </a:rPr>
+              <a:t>library(openxlsx)</a:t>
+            </a:r>
+            <a:endParaRPr lang="en-US" altLang="zh-CN" sz="2400" b="1">
+              <a:solidFill>
+                <a:srgbClr val="FF0000"/>
+              </a:solidFill>
+            </a:endParaRPr>
+          </a:p>
+        </p:txBody>
+      </p:sp>
+      <p:cxnSp>
+        <p:nvCxnSpPr>
+          <p:cNvPr id="2" name="直接连接符 1"/>
+          <p:cNvCxnSpPr/>
+          <p:nvPr/>
+        </p:nvCxnSpPr>
+        <p:spPr>
+          <a:xfrm flipV="1">
+            <a:off x="226695" y="764540"/>
+            <a:ext cx="5365115" cy="38100"/>
+          </a:xfrm>
+          <a:prstGeom prst="line">
+            <a:avLst/>
+          </a:prstGeom>
+          <a:ln w="28575"/>
+        </p:spPr>
+        <p:style>
+          <a:lnRef idx="1">
+            <a:schemeClr val="accent1"/>
+          </a:lnRef>
+          <a:fillRef idx="0">
+            <a:schemeClr val="accent1"/>
+          </a:fillRef>
+          <a:effectRef idx="0">
+            <a:schemeClr val="accent1"/>
+          </a:effectRef>
+          <a:fontRef idx="minor">
+            <a:schemeClr val="tx1"/>
+          </a:fontRef>
+        </p:style>
+      </p:cxnSp>
     </p:spTree>
   </p:cSld>
   <p:clrMapOvr>
